--- a/lecture 2.pptx
+++ b/lecture 2.pptx
@@ -127,14 +127,6 @@
     </p:ext>
   </p:extLst>
 </p:presentation>
-</file>
-
-<file path=ppt/revisionInfo.xml><?xml version="1.0" encoding="utf-8"?>
-<p1510:revInfo xmlns:a="http://schemas.openxmlformats.org/drawingml/2006/main" xmlns:r="http://schemas.openxmlformats.org/officeDocument/2006/relationships" xmlns:p1510="http://schemas.microsoft.com/office/powerpoint/2015/10/main">
-  <p1510:revLst>
-    <p1510:client id="{5347F67D-E386-44E8-9CB2-2B93F494E767}" v="1" dt="2024-09-06T14:33:39.213"/>
-  </p1510:revLst>
-</p1510:revInfo>
 </file>
 
 <file path=ppt/changesInfos/changesInfo1.xml><?xml version="1.0" encoding="utf-8"?>
@@ -459,7 +451,7 @@
           <a:p>
             <a:fld id="{4B2CACE1-0839-DD4E-8A8D-815B08AED9A4}" type="datetimeFigureOut">
               <a:rPr lang="en-US" smtClean="0"/>
-              <a:t>9/6/2024</a:t>
+              <a:t>9/9/2024</a:t>
             </a:fld>
             <a:endParaRPr lang="en-US"/>
           </a:p>
@@ -804,7 +796,6 @@
               <a:rPr lang="en-US"/>
               <a:t>Click to edit Master title style</a:t>
             </a:r>
-            <a:endParaRPr lang="en-US" dirty="0"/>
           </a:p>
         </p:txBody>
       </p:sp>
@@ -888,7 +879,6 @@
               <a:rPr lang="en-US"/>
               <a:t>Click to edit Master subtitle style</a:t>
             </a:r>
-            <a:endParaRPr lang="en-US" dirty="0"/>
           </a:p>
         </p:txBody>
       </p:sp>
@@ -940,21 +930,21 @@
           <a:p>
             <a:pPr lvl="0"/>
             <a:r>
-              <a:rPr lang="en-US" dirty="0"/>
+              <a:rPr lang="en-US"/>
               <a:t>Presenter’s Name</a:t>
             </a:r>
             <a:br>
-              <a:rPr lang="en-US" dirty="0"/>
+              <a:rPr lang="en-US"/>
             </a:br>
             <a:r>
-              <a:rPr lang="en-US" dirty="0"/>
+              <a:rPr lang="en-US"/>
               <a:t>Presenter’s title / additional designations</a:t>
             </a:r>
             <a:br>
-              <a:rPr lang="en-US" dirty="0"/>
+              <a:rPr lang="en-US"/>
             </a:br>
             <a:r>
-              <a:rPr lang="en-US" dirty="0"/>
+              <a:rPr lang="en-US"/>
               <a:t>Faculty of / Department of / additional designations</a:t>
             </a:r>
           </a:p>
@@ -1005,7 +995,7 @@
           <a:p>
             <a:pPr lvl="0"/>
             <a:r>
-              <a:rPr lang="en-US" dirty="0"/>
+              <a:rPr lang="en-US"/>
               <a:t>Click to add date</a:t>
             </a:r>
           </a:p>
@@ -1102,7 +1092,6 @@
               <a:rPr lang="en-US"/>
               <a:t>Click to edit Master title style</a:t>
             </a:r>
-            <a:endParaRPr lang="en-US" dirty="0"/>
           </a:p>
         </p:txBody>
       </p:sp>
@@ -1199,7 +1188,6 @@
               <a:rPr lang="en-US"/>
               <a:t>Fifth level</a:t>
             </a:r>
-            <a:endParaRPr lang="en-US" dirty="0"/>
           </a:p>
         </p:txBody>
       </p:sp>
@@ -1245,7 +1233,7 @@
               <a:pPr/>
               <a:t>‹#›</a:t>
             </a:fld>
-            <a:endParaRPr lang="en-US" dirty="0"/>
+            <a:endParaRPr lang="en-US"/>
           </a:p>
         </p:txBody>
       </p:sp>
@@ -1438,7 +1426,6 @@
               <a:rPr lang="en-US"/>
               <a:t>Fifth level</a:t>
             </a:r>
-            <a:endParaRPr lang="en-US" dirty="0"/>
           </a:p>
         </p:txBody>
       </p:sp>
@@ -1484,7 +1471,7 @@
               <a:pPr/>
               <a:t>‹#›</a:t>
             </a:fld>
-            <a:endParaRPr lang="en-US" dirty="0"/>
+            <a:endParaRPr lang="en-US"/>
           </a:p>
         </p:txBody>
       </p:sp>
@@ -1535,7 +1522,6 @@
               <a:rPr lang="en-US"/>
               <a:t>Click to edit Master title style</a:t>
             </a:r>
-            <a:endParaRPr lang="en-US" dirty="0"/>
           </a:p>
         </p:txBody>
       </p:sp>
@@ -1621,7 +1607,6 @@
               <a:rPr lang="en-US"/>
               <a:t>Click icon to add picture</a:t>
             </a:r>
-            <a:endParaRPr lang="en-US" dirty="0"/>
           </a:p>
         </p:txBody>
       </p:sp>
@@ -1718,7 +1703,6 @@
               <a:rPr lang="en-US"/>
               <a:t>Fifth level</a:t>
             </a:r>
-            <a:endParaRPr lang="en-US" dirty="0"/>
           </a:p>
         </p:txBody>
       </p:sp>
@@ -1897,7 +1881,6 @@
               <a:rPr lang="en-US"/>
               <a:t>Fifth level</a:t>
             </a:r>
-            <a:endParaRPr lang="en-US" dirty="0"/>
           </a:p>
         </p:txBody>
       </p:sp>
@@ -1943,7 +1926,7 @@
               <a:pPr/>
               <a:t>‹#›</a:t>
             </a:fld>
-            <a:endParaRPr lang="en-US" dirty="0"/>
+            <a:endParaRPr lang="en-US"/>
           </a:p>
         </p:txBody>
       </p:sp>
@@ -1994,7 +1977,6 @@
               <a:rPr lang="en-US"/>
               <a:t>Click to edit Master title style</a:t>
             </a:r>
-            <a:endParaRPr lang="en-US" dirty="0"/>
           </a:p>
         </p:txBody>
       </p:sp>
@@ -2089,21 +2071,21 @@
           <a:p>
             <a:pPr lvl="0"/>
             <a:r>
-              <a:rPr lang="en-US" dirty="0"/>
+              <a:rPr lang="en-US"/>
               <a:t>This slide is for one big, </a:t>
             </a:r>
             <a:br>
-              <a:rPr lang="en-US" dirty="0"/>
+              <a:rPr lang="en-US"/>
             </a:br>
             <a:r>
-              <a:rPr lang="en-US" dirty="0"/>
+              <a:rPr lang="en-US"/>
               <a:t>bold statement. Bullet </a:t>
             </a:r>
             <a:br>
-              <a:rPr lang="en-US" dirty="0"/>
+              <a:rPr lang="en-US"/>
             </a:br>
             <a:r>
-              <a:rPr lang="en-US" dirty="0"/>
+              <a:rPr lang="en-US"/>
               <a:t>points can’t compete! </a:t>
             </a:r>
           </a:p>
@@ -2197,14 +2179,14 @@
           </a:lstStyle>
           <a:p>
             <a:r>
-              <a:rPr lang="en-US" dirty="0"/>
+              <a:rPr lang="en-US"/>
               <a:t>Thank you for attending! </a:t>
             </a:r>
             <a:br>
-              <a:rPr lang="en-US" dirty="0"/>
+              <a:rPr lang="en-US"/>
             </a:br>
             <a:r>
-              <a:rPr lang="en-US" dirty="0"/>
+              <a:rPr lang="en-US"/>
               <a:t>and/or other concluding message</a:t>
             </a:r>
           </a:p>
@@ -2287,22 +2269,22 @@
           </a:lstStyle>
           <a:p>
             <a:r>
-              <a:rPr lang="en-US" dirty="0"/>
+              <a:rPr lang="en-US"/>
               <a:t>For more information go to </a:t>
             </a:r>
             <a:r>
-              <a:rPr lang="en-US" dirty="0" err="1"/>
+              <a:rPr lang="en-US" err="1"/>
               <a:t>ucalgary.ca</a:t>
             </a:r>
             <a:r>
-              <a:rPr lang="en-US" dirty="0"/>
+              <a:rPr lang="en-US"/>
               <a:t>/</a:t>
             </a:r>
             <a:r>
-              <a:rPr lang="en-US" dirty="0" err="1"/>
+              <a:rPr lang="en-US" err="1"/>
               <a:t>webaddress</a:t>
             </a:r>
-            <a:endParaRPr lang="en-US" dirty="0"/>
+            <a:endParaRPr lang="en-US"/>
           </a:p>
         </p:txBody>
       </p:sp>
@@ -2354,21 +2336,21 @@
           <a:p>
             <a:pPr lvl="0"/>
             <a:r>
-              <a:rPr lang="en-US" dirty="0"/>
+              <a:rPr lang="en-US"/>
               <a:t>Presenter’s Name</a:t>
             </a:r>
             <a:br>
-              <a:rPr lang="en-US" dirty="0"/>
+              <a:rPr lang="en-US"/>
             </a:br>
             <a:r>
-              <a:rPr lang="en-US" dirty="0" err="1"/>
+              <a:rPr lang="en-US" err="1"/>
               <a:t>presentersemail@ucalgary.ca</a:t>
             </a:r>
             <a:br>
-              <a:rPr lang="en-US" dirty="0"/>
+              <a:rPr lang="en-US"/>
             </a:br>
             <a:r>
-              <a:rPr lang="en-US" dirty="0"/>
+              <a:rPr lang="en-US"/>
               <a:t>Phone number / Twitter handle / additional contact info</a:t>
             </a:r>
           </a:p>
@@ -2757,7 +2739,7 @@
           <a:lstStyle/>
           <a:p>
             <a:r>
-              <a:rPr lang="en-US" dirty="0"/>
+              <a:rPr lang="en-US"/>
               <a:t>ENEL 684</a:t>
             </a:r>
           </a:p>
@@ -2785,7 +2767,7 @@
           <a:lstStyle/>
           <a:p>
             <a:r>
-              <a:rPr lang="en-US" dirty="0"/>
+              <a:rPr lang="en-US"/>
               <a:t>Identification for Control</a:t>
             </a:r>
           </a:p>
@@ -2813,7 +2795,7 @@
           <a:lstStyle/>
           <a:p>
             <a:r>
-              <a:rPr lang="en-US" dirty="0"/>
+              <a:rPr lang="en-US"/>
               <a:t>Arne Dankers</a:t>
             </a:r>
           </a:p>
@@ -2841,7 +2823,7 @@
           <a:lstStyle/>
           <a:p>
             <a:r>
-              <a:rPr lang="en-US" dirty="0"/>
+              <a:rPr lang="en-US"/>
               <a:t>03-09-2024</a:t>
             </a:r>
           </a:p>
@@ -2899,7 +2881,7 @@
           <a:lstStyle/>
           <a:p>
             <a:r>
-              <a:rPr lang="en-CA" dirty="0"/>
+              <a:rPr lang="en-CA"/>
               <a:t>Numbers that describe themselves</a:t>
             </a:r>
           </a:p>
@@ -2930,7 +2912,7 @@
               <a:buNone/>
             </a:pPr>
             <a:r>
-              <a:rPr lang="en-CA" sz="5400" i="0" dirty="0">
+              <a:rPr lang="en-CA" sz="5400" i="0">
                 <a:effectLst/>
               </a:rPr>
               <a:t>14233221</a:t>
@@ -2941,7 +2923,7 @@
               <a:buNone/>
             </a:pPr>
             <a:r>
-              <a:rPr lang="en-CA" sz="5400" b="0" i="0" dirty="0">
+              <a:rPr lang="en-CA" sz="5400" b="0" i="0">
                 <a:solidFill>
                   <a:srgbClr val="202122"/>
                 </a:solidFill>
@@ -2949,12 +2931,12 @@
               </a:rPr>
               <a:t>6210001000</a:t>
             </a:r>
-            <a:endParaRPr lang="en-CA" sz="5400" b="1" i="0" dirty="0">
+            <a:endParaRPr lang="en-CA" sz="5400" b="1" i="0">
               <a:effectLst/>
             </a:endParaRPr>
           </a:p>
           <a:p>
-            <a:endParaRPr lang="en-CA" dirty="0"/>
+            <a:endParaRPr lang="en-CA"/>
           </a:p>
         </p:txBody>
       </p:sp>
@@ -2984,7 +2966,7 @@
               <a:pPr/>
               <a:t>2</a:t>
             </a:fld>
-            <a:endParaRPr lang="en-US" dirty="0"/>
+            <a:endParaRPr lang="en-US"/>
           </a:p>
         </p:txBody>
       </p:sp>
@@ -3040,7 +3022,7 @@
           <a:lstStyle/>
           <a:p>
             <a:r>
-              <a:rPr lang="en-CA" dirty="0"/>
+              <a:rPr lang="en-CA"/>
               <a:t>Running Example Throughout Class</a:t>
             </a:r>
           </a:p>
@@ -3101,7 +3083,7 @@
               <a:pPr/>
               <a:t>3</a:t>
             </a:fld>
-            <a:endParaRPr lang="en-US" dirty="0"/>
+            <a:endParaRPr lang="en-US"/>
           </a:p>
         </p:txBody>
       </p:sp>
@@ -3187,7 +3169,7 @@
           <a:lstStyle/>
           <a:p>
             <a:r>
-              <a:rPr lang="en-CA" dirty="0"/>
+              <a:rPr lang="en-CA"/>
               <a:t>What is a Dynamical System?</a:t>
             </a:r>
           </a:p>
@@ -3219,7 +3201,7 @@
               <a:pPr/>
               <a:t>4</a:t>
             </a:fld>
-            <a:endParaRPr lang="en-US" dirty="0"/>
+            <a:endParaRPr lang="en-US"/>
           </a:p>
         </p:txBody>
       </p:sp>
@@ -4034,18 +4016,18 @@
 <file path=customXml/itemProps1.xml><?xml version="1.0" encoding="utf-8"?>
 <ds:datastoreItem xmlns:ds="http://schemas.openxmlformats.org/officeDocument/2006/customXml" ds:itemID="{22626E22-D523-43FE-83CF-284E109A6452}">
   <ds:schemaRefs>
-    <ds:schemaRef ds:uri="http://schemas.microsoft.com/office/2006/metadata/contentType"/>
-    <ds:schemaRef ds:uri="http://schemas.microsoft.com/office/2006/metadata/properties/metaAttributes"/>
-    <ds:schemaRef ds:uri="http://www.w3.org/2001/XMLSchema"/>
-    <ds:schemaRef ds:uri="http://schemas.microsoft.com/office/2006/metadata/properties"/>
     <ds:schemaRef ds:uri="7a4191d5-9b76-4ae3-8401-87ceee92a846"/>
     <ds:schemaRef ds:uri="b9b0194d-1e98-4efc-bad5-9450f4bf7a13"/>
-    <ds:schemaRef ds:uri="http://schemas.microsoft.com/office/2006/documentManagement/types"/>
-    <ds:schemaRef ds:uri="http://schemas.microsoft.com/office/infopath/2007/PartnerControls"/>
-    <ds:schemaRef ds:uri="http://schemas.openxmlformats.org/package/2006/metadata/core-properties"/>
     <ds:schemaRef ds:uri="http://purl.org/dc/elements/1.1/"/>
     <ds:schemaRef ds:uri="http://purl.org/dc/terms/"/>
     <ds:schemaRef ds:uri="http://schemas.microsoft.com/internal/obd"/>
+    <ds:schemaRef ds:uri="http://schemas.microsoft.com/office/2006/documentManagement/types"/>
+    <ds:schemaRef ds:uri="http://schemas.microsoft.com/office/2006/metadata/contentType"/>
+    <ds:schemaRef ds:uri="http://schemas.microsoft.com/office/2006/metadata/properties"/>
+    <ds:schemaRef ds:uri="http://schemas.microsoft.com/office/2006/metadata/properties/metaAttributes"/>
+    <ds:schemaRef ds:uri="http://schemas.microsoft.com/office/infopath/2007/PartnerControls"/>
+    <ds:schemaRef ds:uri="http://schemas.openxmlformats.org/package/2006/metadata/core-properties"/>
+    <ds:schemaRef ds:uri="http://www.w3.org/2001/XMLSchema"/>
   </ds:schemaRefs>
 </ds:datastoreItem>
 </file>
@@ -4061,16 +4043,16 @@
 <file path=customXml/itemProps3.xml><?xml version="1.0" encoding="utf-8"?>
 <ds:datastoreItem xmlns:ds="http://schemas.openxmlformats.org/officeDocument/2006/customXml" ds:itemID="{299568D1-9CD6-4DD2-BE7F-4D4E9CED01FA}">
   <ds:schemaRefs>
+    <ds:schemaRef ds:uri="7a4191d5-9b76-4ae3-8401-87ceee92a846"/>
+    <ds:schemaRef ds:uri="b9b0194d-1e98-4efc-bad5-9450f4bf7a13"/>
     <ds:schemaRef ds:uri="http://purl.org/dc/dcmitype/"/>
+    <ds:schemaRef ds:uri="http://purl.org/dc/elements/1.1/"/>
+    <ds:schemaRef ds:uri="http://purl.org/dc/terms/"/>
     <ds:schemaRef ds:uri="http://schemas.microsoft.com/office/2006/documentManagement/types"/>
-    <ds:schemaRef ds:uri="http://purl.org/dc/terms/"/>
-    <ds:schemaRef ds:uri="http://purl.org/dc/elements/1.1/"/>
+    <ds:schemaRef ds:uri="http://schemas.microsoft.com/office/2006/metadata/properties"/>
     <ds:schemaRef ds:uri="http://schemas.microsoft.com/office/infopath/2007/PartnerControls"/>
+    <ds:schemaRef ds:uri="http://schemas.openxmlformats.org/package/2006/metadata/core-properties"/>
     <ds:schemaRef ds:uri="http://www.w3.org/XML/1998/namespace"/>
-    <ds:schemaRef ds:uri="http://schemas.microsoft.com/office/2006/metadata/properties"/>
-    <ds:schemaRef ds:uri="http://schemas.openxmlformats.org/package/2006/metadata/core-properties"/>
-    <ds:schemaRef ds:uri="b9b0194d-1e98-4efc-bad5-9450f4bf7a13"/>
-    <ds:schemaRef ds:uri="7a4191d5-9b76-4ae3-8401-87ceee92a846"/>
   </ds:schemaRefs>
 </ds:datastoreItem>
 </file>